--- a/Searching and Sorting Algorithms.pptx
+++ b/Searching and Sorting Algorithms.pptx
@@ -21540,104 +21540,18 @@
   <p:clrMapOvr>
     <a:masterClrMapping/>
   </p:clrMapOvr>
-  <p:timing>
-    <p:tnLst>
-      <p:par>
-        <p:cTn id="1" dur="indefinite" restart="never" nodeType="tmRoot">
-          <p:childTnLst>
-            <p:seq concurrent="1" nextAc="seek">
-              <p:cTn id="2" dur="indefinite" nodeType="mainSeq">
-                <p:childTnLst>
-                  <p:par>
-                    <p:cTn id="3" fill="hold">
-                      <p:stCondLst>
-                        <p:cond delay="indefinite"/>
-                      </p:stCondLst>
-                      <p:childTnLst>
-                        <p:par>
-                          <p:cTn id="4" fill="hold">
-                            <p:stCondLst>
-                              <p:cond delay="0"/>
-                            </p:stCondLst>
-                            <p:childTnLst>
-                              <p:par>
-                                <p:cTn id="5" presetID="2" presetClass="entr" presetSubtype="8" fill="hold" nodeType="clickEffect">
-                                  <p:stCondLst>
-                                    <p:cond delay="0"/>
-                                  </p:stCondLst>
-                                  <p:childTnLst>
-                                    <p:set>
-                                      <p:cBhvr>
-                                        <p:cTn id="6" dur="1" fill="hold">
-                                          <p:stCondLst>
-                                            <p:cond delay="0"/>
-                                          </p:stCondLst>
-                                        </p:cTn>
-                                        <p:tgtEl>
-                                          <p:spTgt spid="482"/>
-                                        </p:tgtEl>
-                                        <p:attrNameLst>
-                                          <p:attrName>style.visibility</p:attrName>
-                                        </p:attrNameLst>
-                                      </p:cBhvr>
-                                      <p:to>
-                                        <p:strVal val="visible"/>
-                                      </p:to>
-                                    </p:set>
-                                    <p:anim calcmode="lin" valueType="num">
-                                      <p:cBhvr additive="base">
-                                        <p:cTn id="7" dur="1000"/>
-                                        <p:tgtEl>
-                                          <p:spTgt spid="482"/>
-                                        </p:tgtEl>
-                                        <p:attrNameLst>
-                                          <p:attrName>ppt_x</p:attrName>
-                                        </p:attrNameLst>
-                                      </p:cBhvr>
-                                      <p:tavLst>
-                                        <p:tav tm="0">
-                                          <p:val>
-                                            <p:strVal val="#ppt_x-1"/>
-                                          </p:val>
-                                        </p:tav>
-                                        <p:tav tm="100000">
-                                          <p:val>
-                                            <p:strVal val="#ppt_x"/>
-                                          </p:val>
-                                        </p:tav>
-                                      </p:tavLst>
-                                    </p:anim>
-                                  </p:childTnLst>
-                                </p:cTn>
-                              </p:par>
-                            </p:childTnLst>
-                          </p:cTn>
-                        </p:par>
-                      </p:childTnLst>
-                    </p:cTn>
-                  </p:par>
-                </p:childTnLst>
-              </p:cTn>
-              <p:prevCondLst>
-                <p:cond evt="onPrev" delay="0">
-                  <p:tgtEl>
-                    <p:sldTgt/>
-                  </p:tgtEl>
-                </p:cond>
-              </p:prevCondLst>
-              <p:nextCondLst>
-                <p:cond evt="onNext" delay="0">
-                  <p:tgtEl>
-                    <p:sldTgt/>
-                  </p:tgtEl>
-                </p:cond>
-              </p:nextCondLst>
-            </p:seq>
-          </p:childTnLst>
-        </p:cTn>
-      </p:par>
-    </p:tnLst>
-  </p:timing>
+  <mc:AlternateContent xmlns:mc="http://schemas.openxmlformats.org/markup-compatibility/2006">
+    <mc:Choice xmlns:p159="http://schemas.microsoft.com/office/powerpoint/2015/09/main" Requires="p159">
+      <p:transition xmlns:p14="http://schemas.microsoft.com/office/powerpoint/2010/main" spd="slow" p14:dur="2000">
+        <p159:morph option="byObject"/>
+      </p:transition>
+    </mc:Choice>
+    <mc:Fallback>
+      <p:transition spd="slow">
+        <p:fade/>
+      </p:transition>
+    </mc:Fallback>
+  </mc:AlternateContent>
 </p:sld>
 </file>
 
@@ -21869,107 +21783,18 @@
   <p:clrMapOvr>
     <a:masterClrMapping/>
   </p:clrMapOvr>
-  <p:timing>
-    <p:tnLst>
-      <p:par>
-        <p:cTn id="1" dur="indefinite" restart="never" nodeType="tmRoot">
-          <p:childTnLst>
-            <p:seq concurrent="1" nextAc="seek">
-              <p:cTn id="2" dur="indefinite" nodeType="mainSeq">
-                <p:childTnLst>
-                  <p:par>
-                    <p:cTn id="3" fill="hold">
-                      <p:stCondLst>
-                        <p:cond delay="indefinite"/>
-                        <p:cond evt="onBegin" delay="0">
-                          <p:tn val="2"/>
-                        </p:cond>
-                      </p:stCondLst>
-                      <p:childTnLst>
-                        <p:par>
-                          <p:cTn id="4" fill="hold">
-                            <p:stCondLst>
-                              <p:cond delay="0"/>
-                            </p:stCondLst>
-                            <p:childTnLst>
-                              <p:par>
-                                <p:cTn id="5" presetID="2" presetClass="entr" presetSubtype="2" fill="hold" nodeType="withEffect">
-                                  <p:stCondLst>
-                                    <p:cond delay="0"/>
-                                  </p:stCondLst>
-                                  <p:childTnLst>
-                                    <p:set>
-                                      <p:cBhvr>
-                                        <p:cTn id="6" dur="1" fill="hold">
-                                          <p:stCondLst>
-                                            <p:cond delay="0"/>
-                                          </p:stCondLst>
-                                        </p:cTn>
-                                        <p:tgtEl>
-                                          <p:spTgt spid="566"/>
-                                        </p:tgtEl>
-                                        <p:attrNameLst>
-                                          <p:attrName>style.visibility</p:attrName>
-                                        </p:attrNameLst>
-                                      </p:cBhvr>
-                                      <p:to>
-                                        <p:strVal val="visible"/>
-                                      </p:to>
-                                    </p:set>
-                                    <p:anim calcmode="lin" valueType="num">
-                                      <p:cBhvr additive="base">
-                                        <p:cTn id="7" dur="1000"/>
-                                        <p:tgtEl>
-                                          <p:spTgt spid="566"/>
-                                        </p:tgtEl>
-                                        <p:attrNameLst>
-                                          <p:attrName>ppt_x</p:attrName>
-                                        </p:attrNameLst>
-                                      </p:cBhvr>
-                                      <p:tavLst>
-                                        <p:tav tm="0">
-                                          <p:val>
-                                            <p:strVal val="#ppt_x+1"/>
-                                          </p:val>
-                                        </p:tav>
-                                        <p:tav tm="100000">
-                                          <p:val>
-                                            <p:strVal val="#ppt_x"/>
-                                          </p:val>
-                                        </p:tav>
-                                      </p:tavLst>
-                                    </p:anim>
-                                  </p:childTnLst>
-                                </p:cTn>
-                              </p:par>
-                            </p:childTnLst>
-                          </p:cTn>
-                        </p:par>
-                      </p:childTnLst>
-                    </p:cTn>
-                  </p:par>
-                </p:childTnLst>
-              </p:cTn>
-              <p:prevCondLst>
-                <p:cond evt="onPrev" delay="0">
-                  <p:tgtEl>
-                    <p:sldTgt/>
-                  </p:tgtEl>
-                </p:cond>
-              </p:prevCondLst>
-              <p:nextCondLst>
-                <p:cond evt="onNext" delay="0">
-                  <p:tgtEl>
-                    <p:sldTgt/>
-                  </p:tgtEl>
-                </p:cond>
-              </p:nextCondLst>
-            </p:seq>
-          </p:childTnLst>
-        </p:cTn>
-      </p:par>
-    </p:tnLst>
-  </p:timing>
+  <mc:AlternateContent xmlns:mc="http://schemas.openxmlformats.org/markup-compatibility/2006">
+    <mc:Choice xmlns:p14="http://schemas.microsoft.com/office/powerpoint/2010/main" Requires="p14">
+      <p:transition spd="slow" p14:dur="1500">
+        <p14:window dir="vert"/>
+      </p:transition>
+    </mc:Choice>
+    <mc:Fallback>
+      <p:transition spd="slow">
+        <p:fade/>
+      </p:transition>
+    </mc:Fallback>
+  </mc:AlternateContent>
 </p:sld>
 </file>
 
@@ -22088,6 +21913,18 @@
   <p:clrMapOvr>
     <a:masterClrMapping/>
   </p:clrMapOvr>
+  <mc:AlternateContent xmlns:mc="http://schemas.openxmlformats.org/markup-compatibility/2006">
+    <mc:Choice xmlns:p14="http://schemas.microsoft.com/office/powerpoint/2010/main" Requires="p14">
+      <p:transition spd="slow" p14:dur="1400">
+        <p14:ripple/>
+      </p:transition>
+    </mc:Choice>
+    <mc:Fallback>
+      <p:transition spd="slow">
+        <p:fade/>
+      </p:transition>
+    </mc:Fallback>
+  </mc:AlternateContent>
 </p:sld>
 </file>
 
@@ -22497,6 +22334,18 @@
   <p:clrMapOvr>
     <a:masterClrMapping/>
   </p:clrMapOvr>
+  <mc:AlternateContent xmlns:mc="http://schemas.openxmlformats.org/markup-compatibility/2006">
+    <mc:Choice xmlns:p14="http://schemas.microsoft.com/office/powerpoint/2010/main" Requires="p14">
+      <p:transition spd="slow" p14:dur="1600">
+        <p14:conveyor dir="l"/>
+      </p:transition>
+    </mc:Choice>
+    <mc:Fallback>
+      <p:transition spd="slow">
+        <p:fade/>
+      </p:transition>
+    </mc:Fallback>
+  </mc:AlternateContent>
 </p:sld>
 </file>
 
@@ -22761,6 +22610,18 @@
   <p:clrMapOvr>
     <a:masterClrMapping/>
   </p:clrMapOvr>
+  <mc:AlternateContent xmlns:mc="http://schemas.openxmlformats.org/markup-compatibility/2006">
+    <mc:Choice xmlns:p14="http://schemas.microsoft.com/office/powerpoint/2010/main" Requires="p14">
+      <p:transition spd="slow" p14:dur="1300">
+        <p14:pan dir="u"/>
+      </p:transition>
+    </mc:Choice>
+    <mc:Fallback>
+      <p:transition spd="slow">
+        <p:fade/>
+      </p:transition>
+    </mc:Fallback>
+  </mc:AlternateContent>
 </p:sld>
 </file>
 
@@ -23216,6 +23077,18 @@
   <p:clrMapOvr>
     <a:masterClrMapping/>
   </p:clrMapOvr>
+  <mc:AlternateContent xmlns:mc="http://schemas.openxmlformats.org/markup-compatibility/2006">
+    <mc:Choice xmlns:p14="http://schemas.microsoft.com/office/powerpoint/2010/main" Requires="p14">
+      <p:transition spd="slow" p14:dur="2000">
+        <p14:prism isContent="1"/>
+      </p:transition>
+    </mc:Choice>
+    <mc:Fallback>
+      <p:transition spd="slow">
+        <p:fade/>
+      </p:transition>
+    </mc:Fallback>
+  </mc:AlternateContent>
 </p:sld>
 </file>
 
@@ -23448,6 +23321,18 @@
   <p:clrMapOvr>
     <a:masterClrMapping/>
   </p:clrMapOvr>
+  <mc:AlternateContent xmlns:mc="http://schemas.openxmlformats.org/markup-compatibility/2006">
+    <mc:Choice xmlns:p14="http://schemas.microsoft.com/office/powerpoint/2010/main" Requires="p14">
+      <p:transition spd="med" p14:dur="700">
+        <p:fade/>
+      </p:transition>
+    </mc:Choice>
+    <mc:Fallback>
+      <p:transition spd="med">
+        <p:fade/>
+      </p:transition>
+    </mc:Fallback>
+  </mc:AlternateContent>
 </p:sld>
 </file>
 
@@ -23559,6 +23444,18 @@
   <p:clrMapOvr>
     <a:masterClrMapping/>
   </p:clrMapOvr>
+  <mc:AlternateContent xmlns:mc="http://schemas.openxmlformats.org/markup-compatibility/2006">
+    <mc:Choice xmlns:p14="http://schemas.microsoft.com/office/powerpoint/2010/main" Requires="p14">
+      <p:transition spd="slow" p14:dur="1600">
+        <p14:prism isInverted="1"/>
+      </p:transition>
+    </mc:Choice>
+    <mc:Fallback>
+      <p:transition spd="slow">
+        <p:fade/>
+      </p:transition>
+    </mc:Fallback>
+  </mc:AlternateContent>
 </p:sld>
 </file>
 
@@ -23957,6 +23854,18 @@
   <p:clrMapOvr>
     <a:masterClrMapping/>
   </p:clrMapOvr>
+  <mc:AlternateContent xmlns:mc="http://schemas.openxmlformats.org/markup-compatibility/2006">
+    <mc:Choice xmlns:p14="http://schemas.microsoft.com/office/powerpoint/2010/main" Requires="p14">
+      <p:transition spd="slow" p14:dur="1250">
+        <p14:flip dir="r"/>
+      </p:transition>
+    </mc:Choice>
+    <mc:Fallback>
+      <p:transition spd="slow">
+        <p:fade/>
+      </p:transition>
+    </mc:Fallback>
+  </mc:AlternateContent>
 </p:sld>
 </file>
 
@@ -24415,107 +24324,18 @@
   <p:clrMapOvr>
     <a:masterClrMapping/>
   </p:clrMapOvr>
-  <p:timing>
-    <p:tnLst>
-      <p:par>
-        <p:cTn id="1" dur="indefinite" restart="never" nodeType="tmRoot">
-          <p:childTnLst>
-            <p:seq concurrent="1" nextAc="seek">
-              <p:cTn id="2" dur="indefinite" nodeType="mainSeq">
-                <p:childTnLst>
-                  <p:par>
-                    <p:cTn id="3" fill="hold">
-                      <p:stCondLst>
-                        <p:cond delay="indefinite"/>
-                        <p:cond evt="onBegin" delay="0">
-                          <p:tn val="2"/>
-                        </p:cond>
-                      </p:stCondLst>
-                      <p:childTnLst>
-                        <p:par>
-                          <p:cTn id="4" fill="hold">
-                            <p:stCondLst>
-                              <p:cond delay="0"/>
-                            </p:stCondLst>
-                            <p:childTnLst>
-                              <p:par>
-                                <p:cTn id="5" presetID="2" presetClass="entr" presetSubtype="8" fill="hold" nodeType="withEffect">
-                                  <p:stCondLst>
-                                    <p:cond delay="0"/>
-                                  </p:stCondLst>
-                                  <p:childTnLst>
-                                    <p:set>
-                                      <p:cBhvr>
-                                        <p:cTn id="6" dur="1" fill="hold">
-                                          <p:stCondLst>
-                                            <p:cond delay="0"/>
-                                          </p:stCondLst>
-                                        </p:cTn>
-                                        <p:tgtEl>
-                                          <p:spTgt spid="668"/>
-                                        </p:tgtEl>
-                                        <p:attrNameLst>
-                                          <p:attrName>style.visibility</p:attrName>
-                                        </p:attrNameLst>
-                                      </p:cBhvr>
-                                      <p:to>
-                                        <p:strVal val="visible"/>
-                                      </p:to>
-                                    </p:set>
-                                    <p:anim calcmode="lin" valueType="num">
-                                      <p:cBhvr additive="base">
-                                        <p:cTn id="7" dur="1000"/>
-                                        <p:tgtEl>
-                                          <p:spTgt spid="668"/>
-                                        </p:tgtEl>
-                                        <p:attrNameLst>
-                                          <p:attrName>ppt_x</p:attrName>
-                                        </p:attrNameLst>
-                                      </p:cBhvr>
-                                      <p:tavLst>
-                                        <p:tav tm="0">
-                                          <p:val>
-                                            <p:strVal val="#ppt_x-1"/>
-                                          </p:val>
-                                        </p:tav>
-                                        <p:tav tm="100000">
-                                          <p:val>
-                                            <p:strVal val="#ppt_x"/>
-                                          </p:val>
-                                        </p:tav>
-                                      </p:tavLst>
-                                    </p:anim>
-                                  </p:childTnLst>
-                                </p:cTn>
-                              </p:par>
-                            </p:childTnLst>
-                          </p:cTn>
-                        </p:par>
-                      </p:childTnLst>
-                    </p:cTn>
-                  </p:par>
-                </p:childTnLst>
-              </p:cTn>
-              <p:prevCondLst>
-                <p:cond evt="onPrev" delay="0">
-                  <p:tgtEl>
-                    <p:sldTgt/>
-                  </p:tgtEl>
-                </p:cond>
-              </p:prevCondLst>
-              <p:nextCondLst>
-                <p:cond evt="onNext" delay="0">
-                  <p:tgtEl>
-                    <p:sldTgt/>
-                  </p:tgtEl>
-                </p:cond>
-              </p:nextCondLst>
-            </p:seq>
-          </p:childTnLst>
-        </p:cTn>
-      </p:par>
-    </p:tnLst>
-  </p:timing>
+  <mc:AlternateContent xmlns:mc="http://schemas.openxmlformats.org/markup-compatibility/2006">
+    <mc:Choice xmlns:p14="http://schemas.microsoft.com/office/powerpoint/2010/main" Requires="p14">
+      <p:transition spd="slow" p14:dur="2000">
+        <p14:ferris dir="l"/>
+      </p:transition>
+    </mc:Choice>
+    <mc:Fallback>
+      <p:transition spd="slow">
+        <p:fade/>
+      </p:transition>
+    </mc:Fallback>
+  </mc:AlternateContent>
 </p:sld>
 </file>
 
@@ -24745,172 +24565,9 @@
   <p:clrMapOvr>
     <a:masterClrMapping/>
   </p:clrMapOvr>
-  <p:timing>
-    <p:tnLst>
-      <p:par>
-        <p:cTn id="1" dur="indefinite" restart="never" nodeType="tmRoot">
-          <p:childTnLst>
-            <p:seq concurrent="1" nextAc="seek">
-              <p:cTn id="2" dur="indefinite" nodeType="mainSeq">
-                <p:childTnLst>
-                  <p:par>
-                    <p:cTn id="3" fill="hold">
-                      <p:stCondLst>
-                        <p:cond delay="indefinite"/>
-                      </p:stCondLst>
-                      <p:childTnLst>
-                        <p:par>
-                          <p:cTn id="4" fill="hold">
-                            <p:stCondLst>
-                              <p:cond delay="0"/>
-                            </p:stCondLst>
-                            <p:childTnLst>
-                              <p:par>
-                                <p:cTn id="5" presetID="2" presetClass="entr" presetSubtype="1" fill="hold" nodeType="clickEffect">
-                                  <p:stCondLst>
-                                    <p:cond delay="0"/>
-                                  </p:stCondLst>
-                                  <p:childTnLst>
-                                    <p:set>
-                                      <p:cBhvr>
-                                        <p:cTn id="6" dur="1" fill="hold">
-                                          <p:stCondLst>
-                                            <p:cond delay="0"/>
-                                          </p:stCondLst>
-                                        </p:cTn>
-                                        <p:tgtEl>
-                                          <p:spTgt spid="603"/>
-                                        </p:tgtEl>
-                                        <p:attrNameLst>
-                                          <p:attrName>style.visibility</p:attrName>
-                                        </p:attrNameLst>
-                                      </p:cBhvr>
-                                      <p:to>
-                                        <p:strVal val="visible"/>
-                                      </p:to>
-                                    </p:set>
-                                    <p:anim calcmode="lin" valueType="num">
-                                      <p:cBhvr additive="base">
-                                        <p:cTn id="7" dur="1000"/>
-                                        <p:tgtEl>
-                                          <p:spTgt spid="603"/>
-                                        </p:tgtEl>
-                                        <p:attrNameLst>
-                                          <p:attrName>ppt_y</p:attrName>
-                                        </p:attrNameLst>
-                                      </p:cBhvr>
-                                      <p:tavLst>
-                                        <p:tav tm="0">
-                                          <p:val>
-                                            <p:strVal val="#ppt_y-1"/>
-                                          </p:val>
-                                        </p:tav>
-                                        <p:tav tm="100000">
-                                          <p:val>
-                                            <p:strVal val="#ppt_y"/>
-                                          </p:val>
-                                        </p:tav>
-                                      </p:tavLst>
-                                    </p:anim>
-                                  </p:childTnLst>
-                                </p:cTn>
-                              </p:par>
-                            </p:childTnLst>
-                          </p:cTn>
-                        </p:par>
-                      </p:childTnLst>
-                    </p:cTn>
-                  </p:par>
-                  <p:par>
-                    <p:cTn id="8" fill="hold">
-                      <p:stCondLst>
-                        <p:cond delay="indefinite"/>
-                      </p:stCondLst>
-                      <p:childTnLst>
-                        <p:par>
-                          <p:cTn id="9" fill="hold">
-                            <p:stCondLst>
-                              <p:cond delay="0"/>
-                            </p:stCondLst>
-                            <p:childTnLst>
-                              <p:par>
-                                <p:cTn id="10" presetID="2" presetClass="entr" presetSubtype="2" fill="hold" nodeType="clickEffect">
-                                  <p:stCondLst>
-                                    <p:cond delay="0"/>
-                                  </p:stCondLst>
-                                  <p:childTnLst>
-                                    <p:set>
-                                      <p:cBhvr>
-                                        <p:cTn id="11" dur="1" fill="hold">
-                                          <p:stCondLst>
-                                            <p:cond delay="0"/>
-                                          </p:stCondLst>
-                                        </p:cTn>
-                                        <p:tgtEl>
-                                          <p:spTgt spid="608"/>
-                                        </p:tgtEl>
-                                        <p:attrNameLst>
-                                          <p:attrName>style.visibility</p:attrName>
-                                        </p:attrNameLst>
-                                      </p:cBhvr>
-                                      <p:to>
-                                        <p:strVal val="visible"/>
-                                      </p:to>
-                                    </p:set>
-                                    <p:anim calcmode="lin" valueType="num">
-                                      <p:cBhvr additive="base">
-                                        <p:cTn id="12" dur="1000"/>
-                                        <p:tgtEl>
-                                          <p:spTgt spid="608"/>
-                                        </p:tgtEl>
-                                        <p:attrNameLst>
-                                          <p:attrName>ppt_x</p:attrName>
-                                        </p:attrNameLst>
-                                      </p:cBhvr>
-                                      <p:tavLst>
-                                        <p:tav tm="0">
-                                          <p:val>
-                                            <p:strVal val="#ppt_x+1"/>
-                                          </p:val>
-                                        </p:tav>
-                                        <p:tav tm="100000">
-                                          <p:val>
-                                            <p:strVal val="#ppt_x"/>
-                                          </p:val>
-                                        </p:tav>
-                                      </p:tavLst>
-                                    </p:anim>
-                                  </p:childTnLst>
-                                </p:cTn>
-                              </p:par>
-                            </p:childTnLst>
-                          </p:cTn>
-                        </p:par>
-                      </p:childTnLst>
-                    </p:cTn>
-                  </p:par>
-                </p:childTnLst>
-              </p:cTn>
-              <p:prevCondLst>
-                <p:cond evt="onPrev" delay="0">
-                  <p:tgtEl>
-                    <p:sldTgt/>
-                  </p:tgtEl>
-                </p:cond>
-              </p:prevCondLst>
-              <p:nextCondLst>
-                <p:cond evt="onNext" delay="0">
-                  <p:tgtEl>
-                    <p:sldTgt/>
-                  </p:tgtEl>
-                </p:cond>
-              </p:nextCondLst>
-            </p:seq>
-          </p:childTnLst>
-        </p:cTn>
-      </p:par>
-    </p:tnLst>
-  </p:timing>
+  <p:transition spd="slow">
+    <p:wheel spokes="1"/>
+  </p:transition>
 </p:sld>
 </file>
 
@@ -25038,172 +24695,9 @@
   <p:clrMapOvr>
     <a:masterClrMapping/>
   </p:clrMapOvr>
-  <p:timing>
-    <p:tnLst>
-      <p:par>
-        <p:cTn id="1" dur="indefinite" restart="never" nodeType="tmRoot">
-          <p:childTnLst>
-            <p:seq concurrent="1" nextAc="seek">
-              <p:cTn id="2" dur="indefinite" nodeType="mainSeq">
-                <p:childTnLst>
-                  <p:par>
-                    <p:cTn id="3" fill="hold">
-                      <p:stCondLst>
-                        <p:cond delay="indefinite"/>
-                      </p:stCondLst>
-                      <p:childTnLst>
-                        <p:par>
-                          <p:cTn id="4" fill="hold">
-                            <p:stCondLst>
-                              <p:cond delay="0"/>
-                            </p:stCondLst>
-                            <p:childTnLst>
-                              <p:par>
-                                <p:cTn id="5" presetID="2" presetClass="entr" presetSubtype="1" fill="hold" nodeType="clickEffect">
-                                  <p:stCondLst>
-                                    <p:cond delay="0"/>
-                                  </p:stCondLst>
-                                  <p:childTnLst>
-                                    <p:set>
-                                      <p:cBhvr>
-                                        <p:cTn id="6" dur="1" fill="hold">
-                                          <p:stCondLst>
-                                            <p:cond delay="0"/>
-                                          </p:stCondLst>
-                                        </p:cTn>
-                                        <p:tgtEl>
-                                          <p:spTgt spid="603"/>
-                                        </p:tgtEl>
-                                        <p:attrNameLst>
-                                          <p:attrName>style.visibility</p:attrName>
-                                        </p:attrNameLst>
-                                      </p:cBhvr>
-                                      <p:to>
-                                        <p:strVal val="visible"/>
-                                      </p:to>
-                                    </p:set>
-                                    <p:anim calcmode="lin" valueType="num">
-                                      <p:cBhvr additive="base">
-                                        <p:cTn id="7" dur="1000"/>
-                                        <p:tgtEl>
-                                          <p:spTgt spid="603"/>
-                                        </p:tgtEl>
-                                        <p:attrNameLst>
-                                          <p:attrName>ppt_y</p:attrName>
-                                        </p:attrNameLst>
-                                      </p:cBhvr>
-                                      <p:tavLst>
-                                        <p:tav tm="0">
-                                          <p:val>
-                                            <p:strVal val="#ppt_y-1"/>
-                                          </p:val>
-                                        </p:tav>
-                                        <p:tav tm="100000">
-                                          <p:val>
-                                            <p:strVal val="#ppt_y"/>
-                                          </p:val>
-                                        </p:tav>
-                                      </p:tavLst>
-                                    </p:anim>
-                                  </p:childTnLst>
-                                </p:cTn>
-                              </p:par>
-                            </p:childTnLst>
-                          </p:cTn>
-                        </p:par>
-                      </p:childTnLst>
-                    </p:cTn>
-                  </p:par>
-                  <p:par>
-                    <p:cTn id="8" fill="hold">
-                      <p:stCondLst>
-                        <p:cond delay="indefinite"/>
-                      </p:stCondLst>
-                      <p:childTnLst>
-                        <p:par>
-                          <p:cTn id="9" fill="hold">
-                            <p:stCondLst>
-                              <p:cond delay="0"/>
-                            </p:stCondLst>
-                            <p:childTnLst>
-                              <p:par>
-                                <p:cTn id="10" presetID="2" presetClass="entr" presetSubtype="2" fill="hold" nodeType="clickEffect">
-                                  <p:stCondLst>
-                                    <p:cond delay="0"/>
-                                  </p:stCondLst>
-                                  <p:childTnLst>
-                                    <p:set>
-                                      <p:cBhvr>
-                                        <p:cTn id="11" dur="1" fill="hold">
-                                          <p:stCondLst>
-                                            <p:cond delay="0"/>
-                                          </p:stCondLst>
-                                        </p:cTn>
-                                        <p:tgtEl>
-                                          <p:spTgt spid="608"/>
-                                        </p:tgtEl>
-                                        <p:attrNameLst>
-                                          <p:attrName>style.visibility</p:attrName>
-                                        </p:attrNameLst>
-                                      </p:cBhvr>
-                                      <p:to>
-                                        <p:strVal val="visible"/>
-                                      </p:to>
-                                    </p:set>
-                                    <p:anim calcmode="lin" valueType="num">
-                                      <p:cBhvr additive="base">
-                                        <p:cTn id="12" dur="1000"/>
-                                        <p:tgtEl>
-                                          <p:spTgt spid="608"/>
-                                        </p:tgtEl>
-                                        <p:attrNameLst>
-                                          <p:attrName>ppt_x</p:attrName>
-                                        </p:attrNameLst>
-                                      </p:cBhvr>
-                                      <p:tavLst>
-                                        <p:tav tm="0">
-                                          <p:val>
-                                            <p:strVal val="#ppt_x+1"/>
-                                          </p:val>
-                                        </p:tav>
-                                        <p:tav tm="100000">
-                                          <p:val>
-                                            <p:strVal val="#ppt_x"/>
-                                          </p:val>
-                                        </p:tav>
-                                      </p:tavLst>
-                                    </p:anim>
-                                  </p:childTnLst>
-                                </p:cTn>
-                              </p:par>
-                            </p:childTnLst>
-                          </p:cTn>
-                        </p:par>
-                      </p:childTnLst>
-                    </p:cTn>
-                  </p:par>
-                </p:childTnLst>
-              </p:cTn>
-              <p:prevCondLst>
-                <p:cond evt="onPrev" delay="0">
-                  <p:tgtEl>
-                    <p:sldTgt/>
-                  </p:tgtEl>
-                </p:cond>
-              </p:prevCondLst>
-              <p:nextCondLst>
-                <p:cond evt="onNext" delay="0">
-                  <p:tgtEl>
-                    <p:sldTgt/>
-                  </p:tgtEl>
-                </p:cond>
-              </p:nextCondLst>
-            </p:seq>
-          </p:childTnLst>
-        </p:cTn>
-      </p:par>
-    </p:tnLst>
-  </p:timing>
+  <p:transition spd="slow">
+    <p:push dir="u"/>
+  </p:transition>
 </p:sld>
 </file>
 
@@ -25525,440 +25019,18 @@
   <p:clrMapOvr>
     <a:masterClrMapping/>
   </p:clrMapOvr>
-  <p:timing>
-    <p:tnLst>
-      <p:par>
-        <p:cTn id="1" dur="indefinite" restart="never" nodeType="tmRoot">
-          <p:childTnLst>
-            <p:seq concurrent="1" nextAc="seek">
-              <p:cTn id="2" dur="indefinite" nodeType="mainSeq">
-                <p:childTnLst>
-                  <p:par>
-                    <p:cTn id="3" fill="hold">
-                      <p:stCondLst>
-                        <p:cond delay="indefinite"/>
-                      </p:stCondLst>
-                      <p:childTnLst>
-                        <p:par>
-                          <p:cTn id="4" fill="hold">
-                            <p:stCondLst>
-                              <p:cond delay="0"/>
-                            </p:stCondLst>
-                            <p:childTnLst>
-                              <p:par>
-                                <p:cTn id="5" presetID="2" presetClass="entr" presetSubtype="1" fill="hold" nodeType="clickEffect">
-                                  <p:stCondLst>
-                                    <p:cond delay="0"/>
-                                  </p:stCondLst>
-                                  <p:childTnLst>
-                                    <p:set>
-                                      <p:cBhvr>
-                                        <p:cTn id="6" dur="1" fill="hold">
-                                          <p:stCondLst>
-                                            <p:cond delay="0"/>
-                                          </p:stCondLst>
-                                        </p:cTn>
-                                        <p:tgtEl>
-                                          <p:spTgt spid="529"/>
-                                        </p:tgtEl>
-                                        <p:attrNameLst>
-                                          <p:attrName>style.visibility</p:attrName>
-                                        </p:attrNameLst>
-                                      </p:cBhvr>
-                                      <p:to>
-                                        <p:strVal val="visible"/>
-                                      </p:to>
-                                    </p:set>
-                                    <p:anim calcmode="lin" valueType="num">
-                                      <p:cBhvr additive="base">
-                                        <p:cTn id="7" dur="1000"/>
-                                        <p:tgtEl>
-                                          <p:spTgt spid="529"/>
-                                        </p:tgtEl>
-                                        <p:attrNameLst>
-                                          <p:attrName>ppt_y</p:attrName>
-                                        </p:attrNameLst>
-                                      </p:cBhvr>
-                                      <p:tavLst>
-                                        <p:tav tm="0">
-                                          <p:val>
-                                            <p:strVal val="#ppt_y-1"/>
-                                          </p:val>
-                                        </p:tav>
-                                        <p:tav tm="100000">
-                                          <p:val>
-                                            <p:strVal val="#ppt_y"/>
-                                          </p:val>
-                                        </p:tav>
-                                      </p:tavLst>
-                                    </p:anim>
-                                  </p:childTnLst>
-                                </p:cTn>
-                              </p:par>
-                            </p:childTnLst>
-                          </p:cTn>
-                        </p:par>
-                      </p:childTnLst>
-                    </p:cTn>
-                  </p:par>
-                  <p:par>
-                    <p:cTn id="8" fill="hold">
-                      <p:stCondLst>
-                        <p:cond delay="indefinite"/>
-                      </p:stCondLst>
-                      <p:childTnLst>
-                        <p:par>
-                          <p:cTn id="9" fill="hold">
-                            <p:stCondLst>
-                              <p:cond delay="0"/>
-                            </p:stCondLst>
-                            <p:childTnLst>
-                              <p:par>
-                                <p:cTn id="10" presetID="2" presetClass="entr" presetSubtype="2" fill="hold" nodeType="clickEffect">
-                                  <p:stCondLst>
-                                    <p:cond delay="0"/>
-                                  </p:stCondLst>
-                                  <p:childTnLst>
-                                    <p:set>
-                                      <p:cBhvr>
-                                        <p:cTn id="11" dur="1" fill="hold">
-                                          <p:stCondLst>
-                                            <p:cond delay="0"/>
-                                          </p:stCondLst>
-                                        </p:cTn>
-                                        <p:tgtEl>
-                                          <p:spTgt spid="511"/>
-                                        </p:tgtEl>
-                                        <p:attrNameLst>
-                                          <p:attrName>style.visibility</p:attrName>
-                                        </p:attrNameLst>
-                                      </p:cBhvr>
-                                      <p:to>
-                                        <p:strVal val="visible"/>
-                                      </p:to>
-                                    </p:set>
-                                    <p:anim calcmode="lin" valueType="num">
-                                      <p:cBhvr additive="base">
-                                        <p:cTn id="12" dur="1000"/>
-                                        <p:tgtEl>
-                                          <p:spTgt spid="511"/>
-                                        </p:tgtEl>
-                                        <p:attrNameLst>
-                                          <p:attrName>ppt_x</p:attrName>
-                                        </p:attrNameLst>
-                                      </p:cBhvr>
-                                      <p:tavLst>
-                                        <p:tav tm="0">
-                                          <p:val>
-                                            <p:strVal val="#ppt_x+1"/>
-                                          </p:val>
-                                        </p:tav>
-                                        <p:tav tm="100000">
-                                          <p:val>
-                                            <p:strVal val="#ppt_x"/>
-                                          </p:val>
-                                        </p:tav>
-                                      </p:tavLst>
-                                    </p:anim>
-                                  </p:childTnLst>
-                                </p:cTn>
-                              </p:par>
-                              <p:par>
-                                <p:cTn id="13" presetID="2" presetClass="entr" presetSubtype="2" fill="hold" nodeType="withEffect">
-                                  <p:stCondLst>
-                                    <p:cond delay="0"/>
-                                  </p:stCondLst>
-                                  <p:childTnLst>
-                                    <p:set>
-                                      <p:cBhvr>
-                                        <p:cTn id="14" dur="1" fill="hold">
-                                          <p:stCondLst>
-                                            <p:cond delay="0"/>
-                                          </p:stCondLst>
-                                        </p:cTn>
-                                        <p:tgtEl>
-                                          <p:spTgt spid="516"/>
-                                        </p:tgtEl>
-                                        <p:attrNameLst>
-                                          <p:attrName>style.visibility</p:attrName>
-                                        </p:attrNameLst>
-                                      </p:cBhvr>
-                                      <p:to>
-                                        <p:strVal val="visible"/>
-                                      </p:to>
-                                    </p:set>
-                                    <p:anim calcmode="lin" valueType="num">
-                                      <p:cBhvr additive="base">
-                                        <p:cTn id="15" dur="1000"/>
-                                        <p:tgtEl>
-                                          <p:spTgt spid="516"/>
-                                        </p:tgtEl>
-                                        <p:attrNameLst>
-                                          <p:attrName>ppt_x</p:attrName>
-                                        </p:attrNameLst>
-                                      </p:cBhvr>
-                                      <p:tavLst>
-                                        <p:tav tm="0">
-                                          <p:val>
-                                            <p:strVal val="#ppt_x+1"/>
-                                          </p:val>
-                                        </p:tav>
-                                        <p:tav tm="100000">
-                                          <p:val>
-                                            <p:strVal val="#ppt_x"/>
-                                          </p:val>
-                                        </p:tav>
-                                      </p:tavLst>
-                                    </p:anim>
-                                  </p:childTnLst>
-                                </p:cTn>
-                              </p:par>
-                            </p:childTnLst>
-                          </p:cTn>
-                        </p:par>
-                      </p:childTnLst>
-                    </p:cTn>
-                  </p:par>
-                  <p:par>
-                    <p:cTn id="16" fill="hold">
-                      <p:stCondLst>
-                        <p:cond delay="indefinite"/>
-                      </p:stCondLst>
-                      <p:childTnLst>
-                        <p:par>
-                          <p:cTn id="17" fill="hold">
-                            <p:stCondLst>
-                              <p:cond delay="0"/>
-                            </p:stCondLst>
-                            <p:childTnLst>
-                              <p:par>
-                                <p:cTn id="18" presetID="2" presetClass="entr" presetSubtype="2" fill="hold" nodeType="clickEffect">
-                                  <p:stCondLst>
-                                    <p:cond delay="0"/>
-                                  </p:stCondLst>
-                                  <p:childTnLst>
-                                    <p:set>
-                                      <p:cBhvr>
-                                        <p:cTn id="19" dur="1" fill="hold">
-                                          <p:stCondLst>
-                                            <p:cond delay="0"/>
-                                          </p:stCondLst>
-                                        </p:cTn>
-                                        <p:tgtEl>
-                                          <p:spTgt spid="514"/>
-                                        </p:tgtEl>
-                                        <p:attrNameLst>
-                                          <p:attrName>style.visibility</p:attrName>
-                                        </p:attrNameLst>
-                                      </p:cBhvr>
-                                      <p:to>
-                                        <p:strVal val="visible"/>
-                                      </p:to>
-                                    </p:set>
-                                    <p:anim calcmode="lin" valueType="num">
-                                      <p:cBhvr additive="base">
-                                        <p:cTn id="20" dur="1000"/>
-                                        <p:tgtEl>
-                                          <p:spTgt spid="514"/>
-                                        </p:tgtEl>
-                                        <p:attrNameLst>
-                                          <p:attrName>ppt_x</p:attrName>
-                                        </p:attrNameLst>
-                                      </p:cBhvr>
-                                      <p:tavLst>
-                                        <p:tav tm="0">
-                                          <p:val>
-                                            <p:strVal val="#ppt_x+1"/>
-                                          </p:val>
-                                        </p:tav>
-                                        <p:tav tm="100000">
-                                          <p:val>
-                                            <p:strVal val="#ppt_x"/>
-                                          </p:val>
-                                        </p:tav>
-                                      </p:tavLst>
-                                    </p:anim>
-                                  </p:childTnLst>
-                                </p:cTn>
-                              </p:par>
-                              <p:par>
-                                <p:cTn id="21" presetID="2" presetClass="entr" presetSubtype="2" fill="hold" nodeType="withEffect">
-                                  <p:stCondLst>
-                                    <p:cond delay="0"/>
-                                  </p:stCondLst>
-                                  <p:childTnLst>
-                                    <p:set>
-                                      <p:cBhvr>
-                                        <p:cTn id="22" dur="1" fill="hold">
-                                          <p:stCondLst>
-                                            <p:cond delay="0"/>
-                                          </p:stCondLst>
-                                        </p:cTn>
-                                        <p:tgtEl>
-                                          <p:spTgt spid="517"/>
-                                        </p:tgtEl>
-                                        <p:attrNameLst>
-                                          <p:attrName>style.visibility</p:attrName>
-                                        </p:attrNameLst>
-                                      </p:cBhvr>
-                                      <p:to>
-                                        <p:strVal val="visible"/>
-                                      </p:to>
-                                    </p:set>
-                                    <p:anim calcmode="lin" valueType="num">
-                                      <p:cBhvr additive="base">
-                                        <p:cTn id="23" dur="1000"/>
-                                        <p:tgtEl>
-                                          <p:spTgt spid="517"/>
-                                        </p:tgtEl>
-                                        <p:attrNameLst>
-                                          <p:attrName>ppt_x</p:attrName>
-                                        </p:attrNameLst>
-                                      </p:cBhvr>
-                                      <p:tavLst>
-                                        <p:tav tm="0">
-                                          <p:val>
-                                            <p:strVal val="#ppt_x+1"/>
-                                          </p:val>
-                                        </p:tav>
-                                        <p:tav tm="100000">
-                                          <p:val>
-                                            <p:strVal val="#ppt_x"/>
-                                          </p:val>
-                                        </p:tav>
-                                      </p:tavLst>
-                                    </p:anim>
-                                  </p:childTnLst>
-                                </p:cTn>
-                              </p:par>
-                              <p:par>
-                                <p:cTn id="24" presetID="2" presetClass="entr" presetSubtype="2" fill="hold" nodeType="withEffect">
-                                  <p:stCondLst>
-                                    <p:cond delay="0"/>
-                                  </p:stCondLst>
-                                  <p:childTnLst>
-                                    <p:set>
-                                      <p:cBhvr>
-                                        <p:cTn id="25" dur="1" fill="hold">
-                                          <p:stCondLst>
-                                            <p:cond delay="0"/>
-                                          </p:stCondLst>
-                                        </p:cTn>
-                                        <p:tgtEl>
-                                          <p:spTgt spid="519"/>
-                                        </p:tgtEl>
-                                        <p:attrNameLst>
-                                          <p:attrName>style.visibility</p:attrName>
-                                        </p:attrNameLst>
-                                      </p:cBhvr>
-                                      <p:to>
-                                        <p:strVal val="visible"/>
-                                      </p:to>
-                                    </p:set>
-                                    <p:anim calcmode="lin" valueType="num">
-                                      <p:cBhvr additive="base">
-                                        <p:cTn id="26" dur="1000"/>
-                                        <p:tgtEl>
-                                          <p:spTgt spid="519"/>
-                                        </p:tgtEl>
-                                        <p:attrNameLst>
-                                          <p:attrName>ppt_x</p:attrName>
-                                        </p:attrNameLst>
-                                      </p:cBhvr>
-                                      <p:tavLst>
-                                        <p:tav tm="0">
-                                          <p:val>
-                                            <p:strVal val="#ppt_x+1"/>
-                                          </p:val>
-                                        </p:tav>
-                                        <p:tav tm="100000">
-                                          <p:val>
-                                            <p:strVal val="#ppt_x"/>
-                                          </p:val>
-                                        </p:tav>
-                                      </p:tavLst>
-                                    </p:anim>
-                                  </p:childTnLst>
-                                </p:cTn>
-                              </p:par>
-                              <p:par>
-                                <p:cTn id="27" presetID="2" presetClass="entr" presetSubtype="2" fill="hold" nodeType="withEffect">
-                                  <p:stCondLst>
-                                    <p:cond delay="0"/>
-                                  </p:stCondLst>
-                                  <p:childTnLst>
-                                    <p:set>
-                                      <p:cBhvr>
-                                        <p:cTn id="28" dur="1" fill="hold">
-                                          <p:stCondLst>
-                                            <p:cond delay="0"/>
-                                          </p:stCondLst>
-                                        </p:cTn>
-                                        <p:tgtEl>
-                                          <p:spTgt spid="520"/>
-                                        </p:tgtEl>
-                                        <p:attrNameLst>
-                                          <p:attrName>style.visibility</p:attrName>
-                                        </p:attrNameLst>
-                                      </p:cBhvr>
-                                      <p:to>
-                                        <p:strVal val="visible"/>
-                                      </p:to>
-                                    </p:set>
-                                    <p:anim calcmode="lin" valueType="num">
-                                      <p:cBhvr additive="base">
-                                        <p:cTn id="29" dur="1000"/>
-                                        <p:tgtEl>
-                                          <p:spTgt spid="520"/>
-                                        </p:tgtEl>
-                                        <p:attrNameLst>
-                                          <p:attrName>ppt_x</p:attrName>
-                                        </p:attrNameLst>
-                                      </p:cBhvr>
-                                      <p:tavLst>
-                                        <p:tav tm="0">
-                                          <p:val>
-                                            <p:strVal val="#ppt_x+1"/>
-                                          </p:val>
-                                        </p:tav>
-                                        <p:tav tm="100000">
-                                          <p:val>
-                                            <p:strVal val="#ppt_x"/>
-                                          </p:val>
-                                        </p:tav>
-                                      </p:tavLst>
-                                    </p:anim>
-                                  </p:childTnLst>
-                                </p:cTn>
-                              </p:par>
-                            </p:childTnLst>
-                          </p:cTn>
-                        </p:par>
-                      </p:childTnLst>
-                    </p:cTn>
-                  </p:par>
-                </p:childTnLst>
-              </p:cTn>
-              <p:prevCondLst>
-                <p:cond evt="onPrev" delay="0">
-                  <p:tgtEl>
-                    <p:sldTgt/>
-                  </p:tgtEl>
-                </p:cond>
-              </p:prevCondLst>
-              <p:nextCondLst>
-                <p:cond evt="onNext" delay="0">
-                  <p:tgtEl>
-                    <p:sldTgt/>
-                  </p:tgtEl>
-                </p:cond>
-              </p:nextCondLst>
-            </p:seq>
-          </p:childTnLst>
-        </p:cTn>
-      </p:par>
-    </p:tnLst>
-  </p:timing>
+  <mc:AlternateContent xmlns:mc="http://schemas.openxmlformats.org/markup-compatibility/2006">
+    <mc:Choice xmlns:p14="http://schemas.microsoft.com/office/powerpoint/2010/main" Requires="p14">
+      <p:transition spd="slow" p14:dur="1400">
+        <p14:ripple/>
+      </p:transition>
+    </mc:Choice>
+    <mc:Fallback>
+      <p:transition spd="slow">
+        <p:fade/>
+      </p:transition>
+    </mc:Fallback>
+  </mc:AlternateContent>
 </p:sld>
 </file>
 
@@ -26081,6 +25153,18 @@
   <p:clrMapOvr>
     <a:masterClrMapping/>
   </p:clrMapOvr>
+  <mc:AlternateContent xmlns:mc="http://schemas.openxmlformats.org/markup-compatibility/2006">
+    <mc:Choice xmlns:p14="http://schemas.microsoft.com/office/powerpoint/2010/main" Requires="p14">
+      <p:transition spd="slow" p14:dur="1600">
+        <p14:prism isContent="1" isInverted="1"/>
+      </p:transition>
+    </mc:Choice>
+    <mc:Fallback>
+      <p:transition spd="slow">
+        <p:fade/>
+      </p:transition>
+    </mc:Fallback>
+  </mc:AlternateContent>
 </p:sld>
 </file>
 
@@ -26514,6 +25598,18 @@
   <p:clrMapOvr>
     <a:masterClrMapping/>
   </p:clrMapOvr>
+  <mc:AlternateContent xmlns:mc="http://schemas.openxmlformats.org/markup-compatibility/2006">
+    <mc:Choice xmlns:p14="http://schemas.microsoft.com/office/powerpoint/2010/main" Requires="p14">
+      <p:transition spd="slow" p14:dur="1500">
+        <p14:window dir="vert"/>
+      </p:transition>
+    </mc:Choice>
+    <mc:Fallback>
+      <p:transition spd="slow">
+        <p:fade/>
+      </p:transition>
+    </mc:Fallback>
+  </mc:AlternateContent>
 </p:sld>
 </file>
 
@@ -26926,104 +26022,18 @@
   <p:clrMapOvr>
     <a:masterClrMapping/>
   </p:clrMapOvr>
-  <p:timing>
-    <p:tnLst>
-      <p:par>
-        <p:cTn id="1" dur="indefinite" restart="never" nodeType="tmRoot">
-          <p:childTnLst>
-            <p:seq concurrent="1" nextAc="seek">
-              <p:cTn id="2" dur="indefinite" nodeType="mainSeq">
-                <p:childTnLst>
-                  <p:par>
-                    <p:cTn id="3" fill="hold">
-                      <p:stCondLst>
-                        <p:cond delay="indefinite"/>
-                      </p:stCondLst>
-                      <p:childTnLst>
-                        <p:par>
-                          <p:cTn id="4" fill="hold">
-                            <p:stCondLst>
-                              <p:cond delay="0"/>
-                            </p:stCondLst>
-                            <p:childTnLst>
-                              <p:par>
-                                <p:cTn id="5" presetID="2" presetClass="entr" presetSubtype="1" fill="hold" nodeType="clickEffect">
-                                  <p:stCondLst>
-                                    <p:cond delay="0"/>
-                                  </p:stCondLst>
-                                  <p:childTnLst>
-                                    <p:set>
-                                      <p:cBhvr>
-                                        <p:cTn id="6" dur="1" fill="hold">
-                                          <p:stCondLst>
-                                            <p:cond delay="0"/>
-                                          </p:stCondLst>
-                                        </p:cTn>
-                                        <p:tgtEl>
-                                          <p:spTgt spid="696"/>
-                                        </p:tgtEl>
-                                        <p:attrNameLst>
-                                          <p:attrName>style.visibility</p:attrName>
-                                        </p:attrNameLst>
-                                      </p:cBhvr>
-                                      <p:to>
-                                        <p:strVal val="visible"/>
-                                      </p:to>
-                                    </p:set>
-                                    <p:anim calcmode="lin" valueType="num">
-                                      <p:cBhvr additive="base">
-                                        <p:cTn id="7" dur="1000"/>
-                                        <p:tgtEl>
-                                          <p:spTgt spid="696"/>
-                                        </p:tgtEl>
-                                        <p:attrNameLst>
-                                          <p:attrName>ppt_y</p:attrName>
-                                        </p:attrNameLst>
-                                      </p:cBhvr>
-                                      <p:tavLst>
-                                        <p:tav tm="0">
-                                          <p:val>
-                                            <p:strVal val="#ppt_y-1"/>
-                                          </p:val>
-                                        </p:tav>
-                                        <p:tav tm="100000">
-                                          <p:val>
-                                            <p:strVal val="#ppt_y"/>
-                                          </p:val>
-                                        </p:tav>
-                                      </p:tavLst>
-                                    </p:anim>
-                                  </p:childTnLst>
-                                </p:cTn>
-                              </p:par>
-                            </p:childTnLst>
-                          </p:cTn>
-                        </p:par>
-                      </p:childTnLst>
-                    </p:cTn>
-                  </p:par>
-                </p:childTnLst>
-              </p:cTn>
-              <p:prevCondLst>
-                <p:cond evt="onPrev" delay="0">
-                  <p:tgtEl>
-                    <p:sldTgt/>
-                  </p:tgtEl>
-                </p:cond>
-              </p:prevCondLst>
-              <p:nextCondLst>
-                <p:cond evt="onNext" delay="0">
-                  <p:tgtEl>
-                    <p:sldTgt/>
-                  </p:tgtEl>
-                </p:cond>
-              </p:nextCondLst>
-            </p:seq>
-          </p:childTnLst>
-        </p:cTn>
-      </p:par>
-    </p:tnLst>
-  </p:timing>
+  <mc:AlternateContent xmlns:mc="http://schemas.openxmlformats.org/markup-compatibility/2006">
+    <mc:Choice xmlns:p14="http://schemas.microsoft.com/office/powerpoint/2010/main" Requires="p14">
+      <p:transition spd="med" p14:dur="700">
+        <p:fade/>
+      </p:transition>
+    </mc:Choice>
+    <mc:Fallback>
+      <p:transition spd="med">
+        <p:fade/>
+      </p:transition>
+    </mc:Fallback>
+  </mc:AlternateContent>
 </p:sld>
 </file>
 
@@ -27419,6 +26429,18 @@
   <p:clrMapOvr>
     <a:masterClrMapping/>
   </p:clrMapOvr>
+  <mc:AlternateContent xmlns:mc="http://schemas.openxmlformats.org/markup-compatibility/2006">
+    <mc:Choice xmlns:p159="http://schemas.microsoft.com/office/powerpoint/2015/09/main" Requires="p159">
+      <p:transition xmlns:p14="http://schemas.microsoft.com/office/powerpoint/2010/main" spd="slow" p14:dur="2000">
+        <p159:morph option="byObject"/>
+      </p:transition>
+    </mc:Choice>
+    <mc:Fallback>
+      <p:transition spd="slow">
+        <p:fade/>
+      </p:transition>
+    </mc:Fallback>
+  </mc:AlternateContent>
 </p:sld>
 </file>
 
@@ -27545,6 +26567,18 @@
   <p:clrMapOvr>
     <a:masterClrMapping/>
   </p:clrMapOvr>
+  <mc:AlternateContent xmlns:mc="http://schemas.openxmlformats.org/markup-compatibility/2006">
+    <mc:Choice xmlns:p14="http://schemas.microsoft.com/office/powerpoint/2010/main" Requires="p14">
+      <p:transition spd="slow" p14:dur="2000">
+        <p14:prism isContent="1"/>
+      </p:transition>
+    </mc:Choice>
+    <mc:Fallback>
+      <p:transition spd="slow">
+        <p:fade/>
+      </p:transition>
+    </mc:Fallback>
+  </mc:AlternateContent>
 </p:sld>
 </file>
 
@@ -28016,6 +27050,18 @@
   <p:clrMapOvr>
     <a:masterClrMapping/>
   </p:clrMapOvr>
+  <mc:AlternateContent xmlns:mc="http://schemas.openxmlformats.org/markup-compatibility/2006">
+    <mc:Choice xmlns:p14="http://schemas.microsoft.com/office/powerpoint/2010/main" Requires="p14">
+      <p:transition spd="slow" p14:dur="1500">
+        <p:split orient="vert"/>
+      </p:transition>
+    </mc:Choice>
+    <mc:Fallback>
+      <p:transition spd="slow">
+        <p:split orient="vert"/>
+      </p:transition>
+    </mc:Fallback>
+  </mc:AlternateContent>
 </p:sld>
 </file>
 
@@ -28091,6 +27137,9 @@
   <p:clrMapOvr>
     <a:masterClrMapping/>
   </p:clrMapOvr>
+  <p:transition spd="slow">
+    <p:push dir="u"/>
+  </p:transition>
 </p:sld>
 </file>
 
@@ -28334,104 +27383,18 @@
   <p:clrMapOvr>
     <a:masterClrMapping/>
   </p:clrMapOvr>
-  <p:timing>
-    <p:tnLst>
-      <p:par>
-        <p:cTn id="1" dur="indefinite" restart="never" nodeType="tmRoot">
-          <p:childTnLst>
-            <p:seq concurrent="1" nextAc="seek">
-              <p:cTn id="2" dur="indefinite" nodeType="mainSeq">
-                <p:childTnLst>
-                  <p:par>
-                    <p:cTn id="3" fill="hold">
-                      <p:stCondLst>
-                        <p:cond delay="indefinite"/>
-                      </p:stCondLst>
-                      <p:childTnLst>
-                        <p:par>
-                          <p:cTn id="4" fill="hold">
-                            <p:stCondLst>
-                              <p:cond delay="0"/>
-                            </p:stCondLst>
-                            <p:childTnLst>
-                              <p:par>
-                                <p:cTn id="5" presetID="2" presetClass="entr" presetSubtype="1" fill="hold" nodeType="clickEffect">
-                                  <p:stCondLst>
-                                    <p:cond delay="0"/>
-                                  </p:stCondLst>
-                                  <p:childTnLst>
-                                    <p:set>
-                                      <p:cBhvr>
-                                        <p:cTn id="6" dur="1" fill="hold">
-                                          <p:stCondLst>
-                                            <p:cond delay="0"/>
-                                          </p:stCondLst>
-                                        </p:cTn>
-                                        <p:tgtEl>
-                                          <p:spTgt spid="808"/>
-                                        </p:tgtEl>
-                                        <p:attrNameLst>
-                                          <p:attrName>style.visibility</p:attrName>
-                                        </p:attrNameLst>
-                                      </p:cBhvr>
-                                      <p:to>
-                                        <p:strVal val="visible"/>
-                                      </p:to>
-                                    </p:set>
-                                    <p:anim calcmode="lin" valueType="num">
-                                      <p:cBhvr additive="base">
-                                        <p:cTn id="7" dur="1000"/>
-                                        <p:tgtEl>
-                                          <p:spTgt spid="808"/>
-                                        </p:tgtEl>
-                                        <p:attrNameLst>
-                                          <p:attrName>ppt_y</p:attrName>
-                                        </p:attrNameLst>
-                                      </p:cBhvr>
-                                      <p:tavLst>
-                                        <p:tav tm="0">
-                                          <p:val>
-                                            <p:strVal val="#ppt_y-1"/>
-                                          </p:val>
-                                        </p:tav>
-                                        <p:tav tm="100000">
-                                          <p:val>
-                                            <p:strVal val="#ppt_y"/>
-                                          </p:val>
-                                        </p:tav>
-                                      </p:tavLst>
-                                    </p:anim>
-                                  </p:childTnLst>
-                                </p:cTn>
-                              </p:par>
-                            </p:childTnLst>
-                          </p:cTn>
-                        </p:par>
-                      </p:childTnLst>
-                    </p:cTn>
-                  </p:par>
-                </p:childTnLst>
-              </p:cTn>
-              <p:prevCondLst>
-                <p:cond evt="onPrev" delay="0">
-                  <p:tgtEl>
-                    <p:sldTgt/>
-                  </p:tgtEl>
-                </p:cond>
-              </p:prevCondLst>
-              <p:nextCondLst>
-                <p:cond evt="onNext" delay="0">
-                  <p:tgtEl>
-                    <p:sldTgt/>
-                  </p:tgtEl>
-                </p:cond>
-              </p:nextCondLst>
-            </p:seq>
-          </p:childTnLst>
-        </p:cTn>
-      </p:par>
-    </p:tnLst>
-  </p:timing>
+  <mc:AlternateContent xmlns:mc="http://schemas.openxmlformats.org/markup-compatibility/2006">
+    <mc:Choice xmlns:p159="http://schemas.microsoft.com/office/powerpoint/2015/09/main" Requires="p159">
+      <p:transition xmlns:p14="http://schemas.microsoft.com/office/powerpoint/2010/main" spd="slow" p14:dur="2000">
+        <p159:morph option="byObject"/>
+      </p:transition>
+    </mc:Choice>
+    <mc:Fallback>
+      <p:transition spd="slow">
+        <p:fade/>
+      </p:transition>
+    </mc:Fallback>
+  </mc:AlternateContent>
 </p:sld>
 </file>
 
@@ -28558,6 +27521,18 @@
   <p:clrMapOvr>
     <a:masterClrMapping/>
   </p:clrMapOvr>
+  <mc:AlternateContent xmlns:mc="http://schemas.openxmlformats.org/markup-compatibility/2006">
+    <mc:Choice xmlns:p14="http://schemas.microsoft.com/office/powerpoint/2010/main" Requires="p14">
+      <p:transition spd="slow" p14:dur="2000">
+        <p14:prism isContent="1"/>
+      </p:transition>
+    </mc:Choice>
+    <mc:Fallback>
+      <p:transition spd="slow">
+        <p:fade/>
+      </p:transition>
+    </mc:Fallback>
+  </mc:AlternateContent>
 </p:sld>
 </file>
 
@@ -28917,440 +27892,18 @@
   <p:clrMapOvr>
     <a:masterClrMapping/>
   </p:clrMapOvr>
-  <p:timing>
-    <p:tnLst>
-      <p:par>
-        <p:cTn id="1" dur="indefinite" restart="never" nodeType="tmRoot">
-          <p:childTnLst>
-            <p:seq concurrent="1" nextAc="seek">
-              <p:cTn id="2" dur="indefinite" nodeType="mainSeq">
-                <p:childTnLst>
-                  <p:par>
-                    <p:cTn id="3" fill="hold">
-                      <p:stCondLst>
-                        <p:cond delay="indefinite"/>
-                      </p:stCondLst>
-                      <p:childTnLst>
-                        <p:par>
-                          <p:cTn id="4" fill="hold">
-                            <p:stCondLst>
-                              <p:cond delay="0"/>
-                            </p:stCondLst>
-                            <p:childTnLst>
-                              <p:par>
-                                <p:cTn id="5" presetID="2" presetClass="entr" presetSubtype="1" fill="hold" nodeType="clickEffect">
-                                  <p:stCondLst>
-                                    <p:cond delay="0"/>
-                                  </p:stCondLst>
-                                  <p:childTnLst>
-                                    <p:set>
-                                      <p:cBhvr>
-                                        <p:cTn id="6" dur="1" fill="hold">
-                                          <p:stCondLst>
-                                            <p:cond delay="0"/>
-                                          </p:stCondLst>
-                                        </p:cTn>
-                                        <p:tgtEl>
-                                          <p:spTgt spid="529"/>
-                                        </p:tgtEl>
-                                        <p:attrNameLst>
-                                          <p:attrName>style.visibility</p:attrName>
-                                        </p:attrNameLst>
-                                      </p:cBhvr>
-                                      <p:to>
-                                        <p:strVal val="visible"/>
-                                      </p:to>
-                                    </p:set>
-                                    <p:anim calcmode="lin" valueType="num">
-                                      <p:cBhvr additive="base">
-                                        <p:cTn id="7" dur="1000"/>
-                                        <p:tgtEl>
-                                          <p:spTgt spid="529"/>
-                                        </p:tgtEl>
-                                        <p:attrNameLst>
-                                          <p:attrName>ppt_y</p:attrName>
-                                        </p:attrNameLst>
-                                      </p:cBhvr>
-                                      <p:tavLst>
-                                        <p:tav tm="0">
-                                          <p:val>
-                                            <p:strVal val="#ppt_y-1"/>
-                                          </p:val>
-                                        </p:tav>
-                                        <p:tav tm="100000">
-                                          <p:val>
-                                            <p:strVal val="#ppt_y"/>
-                                          </p:val>
-                                        </p:tav>
-                                      </p:tavLst>
-                                    </p:anim>
-                                  </p:childTnLst>
-                                </p:cTn>
-                              </p:par>
-                            </p:childTnLst>
-                          </p:cTn>
-                        </p:par>
-                      </p:childTnLst>
-                    </p:cTn>
-                  </p:par>
-                  <p:par>
-                    <p:cTn id="8" fill="hold">
-                      <p:stCondLst>
-                        <p:cond delay="indefinite"/>
-                      </p:stCondLst>
-                      <p:childTnLst>
-                        <p:par>
-                          <p:cTn id="9" fill="hold">
-                            <p:stCondLst>
-                              <p:cond delay="0"/>
-                            </p:stCondLst>
-                            <p:childTnLst>
-                              <p:par>
-                                <p:cTn id="10" presetID="2" presetClass="entr" presetSubtype="2" fill="hold" nodeType="clickEffect">
-                                  <p:stCondLst>
-                                    <p:cond delay="0"/>
-                                  </p:stCondLst>
-                                  <p:childTnLst>
-                                    <p:set>
-                                      <p:cBhvr>
-                                        <p:cTn id="11" dur="1" fill="hold">
-                                          <p:stCondLst>
-                                            <p:cond delay="0"/>
-                                          </p:stCondLst>
-                                        </p:cTn>
-                                        <p:tgtEl>
-                                          <p:spTgt spid="511"/>
-                                        </p:tgtEl>
-                                        <p:attrNameLst>
-                                          <p:attrName>style.visibility</p:attrName>
-                                        </p:attrNameLst>
-                                      </p:cBhvr>
-                                      <p:to>
-                                        <p:strVal val="visible"/>
-                                      </p:to>
-                                    </p:set>
-                                    <p:anim calcmode="lin" valueType="num">
-                                      <p:cBhvr additive="base">
-                                        <p:cTn id="12" dur="1000"/>
-                                        <p:tgtEl>
-                                          <p:spTgt spid="511"/>
-                                        </p:tgtEl>
-                                        <p:attrNameLst>
-                                          <p:attrName>ppt_x</p:attrName>
-                                        </p:attrNameLst>
-                                      </p:cBhvr>
-                                      <p:tavLst>
-                                        <p:tav tm="0">
-                                          <p:val>
-                                            <p:strVal val="#ppt_x+1"/>
-                                          </p:val>
-                                        </p:tav>
-                                        <p:tav tm="100000">
-                                          <p:val>
-                                            <p:strVal val="#ppt_x"/>
-                                          </p:val>
-                                        </p:tav>
-                                      </p:tavLst>
-                                    </p:anim>
-                                  </p:childTnLst>
-                                </p:cTn>
-                              </p:par>
-                              <p:par>
-                                <p:cTn id="13" presetID="2" presetClass="entr" presetSubtype="2" fill="hold" nodeType="withEffect">
-                                  <p:stCondLst>
-                                    <p:cond delay="0"/>
-                                  </p:stCondLst>
-                                  <p:childTnLst>
-                                    <p:set>
-                                      <p:cBhvr>
-                                        <p:cTn id="14" dur="1" fill="hold">
-                                          <p:stCondLst>
-                                            <p:cond delay="0"/>
-                                          </p:stCondLst>
-                                        </p:cTn>
-                                        <p:tgtEl>
-                                          <p:spTgt spid="516"/>
-                                        </p:tgtEl>
-                                        <p:attrNameLst>
-                                          <p:attrName>style.visibility</p:attrName>
-                                        </p:attrNameLst>
-                                      </p:cBhvr>
-                                      <p:to>
-                                        <p:strVal val="visible"/>
-                                      </p:to>
-                                    </p:set>
-                                    <p:anim calcmode="lin" valueType="num">
-                                      <p:cBhvr additive="base">
-                                        <p:cTn id="15" dur="1000"/>
-                                        <p:tgtEl>
-                                          <p:spTgt spid="516"/>
-                                        </p:tgtEl>
-                                        <p:attrNameLst>
-                                          <p:attrName>ppt_x</p:attrName>
-                                        </p:attrNameLst>
-                                      </p:cBhvr>
-                                      <p:tavLst>
-                                        <p:tav tm="0">
-                                          <p:val>
-                                            <p:strVal val="#ppt_x+1"/>
-                                          </p:val>
-                                        </p:tav>
-                                        <p:tav tm="100000">
-                                          <p:val>
-                                            <p:strVal val="#ppt_x"/>
-                                          </p:val>
-                                        </p:tav>
-                                      </p:tavLst>
-                                    </p:anim>
-                                  </p:childTnLst>
-                                </p:cTn>
-                              </p:par>
-                            </p:childTnLst>
-                          </p:cTn>
-                        </p:par>
-                      </p:childTnLst>
-                    </p:cTn>
-                  </p:par>
-                  <p:par>
-                    <p:cTn id="16" fill="hold">
-                      <p:stCondLst>
-                        <p:cond delay="indefinite"/>
-                      </p:stCondLst>
-                      <p:childTnLst>
-                        <p:par>
-                          <p:cTn id="17" fill="hold">
-                            <p:stCondLst>
-                              <p:cond delay="0"/>
-                            </p:stCondLst>
-                            <p:childTnLst>
-                              <p:par>
-                                <p:cTn id="18" presetID="2" presetClass="entr" presetSubtype="2" fill="hold" nodeType="clickEffect">
-                                  <p:stCondLst>
-                                    <p:cond delay="0"/>
-                                  </p:stCondLst>
-                                  <p:childTnLst>
-                                    <p:set>
-                                      <p:cBhvr>
-                                        <p:cTn id="19" dur="1" fill="hold">
-                                          <p:stCondLst>
-                                            <p:cond delay="0"/>
-                                          </p:stCondLst>
-                                        </p:cTn>
-                                        <p:tgtEl>
-                                          <p:spTgt spid="514"/>
-                                        </p:tgtEl>
-                                        <p:attrNameLst>
-                                          <p:attrName>style.visibility</p:attrName>
-                                        </p:attrNameLst>
-                                      </p:cBhvr>
-                                      <p:to>
-                                        <p:strVal val="visible"/>
-                                      </p:to>
-                                    </p:set>
-                                    <p:anim calcmode="lin" valueType="num">
-                                      <p:cBhvr additive="base">
-                                        <p:cTn id="20" dur="1000"/>
-                                        <p:tgtEl>
-                                          <p:spTgt spid="514"/>
-                                        </p:tgtEl>
-                                        <p:attrNameLst>
-                                          <p:attrName>ppt_x</p:attrName>
-                                        </p:attrNameLst>
-                                      </p:cBhvr>
-                                      <p:tavLst>
-                                        <p:tav tm="0">
-                                          <p:val>
-                                            <p:strVal val="#ppt_x+1"/>
-                                          </p:val>
-                                        </p:tav>
-                                        <p:tav tm="100000">
-                                          <p:val>
-                                            <p:strVal val="#ppt_x"/>
-                                          </p:val>
-                                        </p:tav>
-                                      </p:tavLst>
-                                    </p:anim>
-                                  </p:childTnLst>
-                                </p:cTn>
-                              </p:par>
-                              <p:par>
-                                <p:cTn id="21" presetID="2" presetClass="entr" presetSubtype="2" fill="hold" nodeType="withEffect">
-                                  <p:stCondLst>
-                                    <p:cond delay="0"/>
-                                  </p:stCondLst>
-                                  <p:childTnLst>
-                                    <p:set>
-                                      <p:cBhvr>
-                                        <p:cTn id="22" dur="1" fill="hold">
-                                          <p:stCondLst>
-                                            <p:cond delay="0"/>
-                                          </p:stCondLst>
-                                        </p:cTn>
-                                        <p:tgtEl>
-                                          <p:spTgt spid="517"/>
-                                        </p:tgtEl>
-                                        <p:attrNameLst>
-                                          <p:attrName>style.visibility</p:attrName>
-                                        </p:attrNameLst>
-                                      </p:cBhvr>
-                                      <p:to>
-                                        <p:strVal val="visible"/>
-                                      </p:to>
-                                    </p:set>
-                                    <p:anim calcmode="lin" valueType="num">
-                                      <p:cBhvr additive="base">
-                                        <p:cTn id="23" dur="1000"/>
-                                        <p:tgtEl>
-                                          <p:spTgt spid="517"/>
-                                        </p:tgtEl>
-                                        <p:attrNameLst>
-                                          <p:attrName>ppt_x</p:attrName>
-                                        </p:attrNameLst>
-                                      </p:cBhvr>
-                                      <p:tavLst>
-                                        <p:tav tm="0">
-                                          <p:val>
-                                            <p:strVal val="#ppt_x+1"/>
-                                          </p:val>
-                                        </p:tav>
-                                        <p:tav tm="100000">
-                                          <p:val>
-                                            <p:strVal val="#ppt_x"/>
-                                          </p:val>
-                                        </p:tav>
-                                      </p:tavLst>
-                                    </p:anim>
-                                  </p:childTnLst>
-                                </p:cTn>
-                              </p:par>
-                              <p:par>
-                                <p:cTn id="24" presetID="2" presetClass="entr" presetSubtype="2" fill="hold" nodeType="withEffect">
-                                  <p:stCondLst>
-                                    <p:cond delay="0"/>
-                                  </p:stCondLst>
-                                  <p:childTnLst>
-                                    <p:set>
-                                      <p:cBhvr>
-                                        <p:cTn id="25" dur="1" fill="hold">
-                                          <p:stCondLst>
-                                            <p:cond delay="0"/>
-                                          </p:stCondLst>
-                                        </p:cTn>
-                                        <p:tgtEl>
-                                          <p:spTgt spid="519"/>
-                                        </p:tgtEl>
-                                        <p:attrNameLst>
-                                          <p:attrName>style.visibility</p:attrName>
-                                        </p:attrNameLst>
-                                      </p:cBhvr>
-                                      <p:to>
-                                        <p:strVal val="visible"/>
-                                      </p:to>
-                                    </p:set>
-                                    <p:anim calcmode="lin" valueType="num">
-                                      <p:cBhvr additive="base">
-                                        <p:cTn id="26" dur="1000"/>
-                                        <p:tgtEl>
-                                          <p:spTgt spid="519"/>
-                                        </p:tgtEl>
-                                        <p:attrNameLst>
-                                          <p:attrName>ppt_x</p:attrName>
-                                        </p:attrNameLst>
-                                      </p:cBhvr>
-                                      <p:tavLst>
-                                        <p:tav tm="0">
-                                          <p:val>
-                                            <p:strVal val="#ppt_x+1"/>
-                                          </p:val>
-                                        </p:tav>
-                                        <p:tav tm="100000">
-                                          <p:val>
-                                            <p:strVal val="#ppt_x"/>
-                                          </p:val>
-                                        </p:tav>
-                                      </p:tavLst>
-                                    </p:anim>
-                                  </p:childTnLst>
-                                </p:cTn>
-                              </p:par>
-                              <p:par>
-                                <p:cTn id="27" presetID="2" presetClass="entr" presetSubtype="2" fill="hold" nodeType="withEffect">
-                                  <p:stCondLst>
-                                    <p:cond delay="0"/>
-                                  </p:stCondLst>
-                                  <p:childTnLst>
-                                    <p:set>
-                                      <p:cBhvr>
-                                        <p:cTn id="28" dur="1" fill="hold">
-                                          <p:stCondLst>
-                                            <p:cond delay="0"/>
-                                          </p:stCondLst>
-                                        </p:cTn>
-                                        <p:tgtEl>
-                                          <p:spTgt spid="520"/>
-                                        </p:tgtEl>
-                                        <p:attrNameLst>
-                                          <p:attrName>style.visibility</p:attrName>
-                                        </p:attrNameLst>
-                                      </p:cBhvr>
-                                      <p:to>
-                                        <p:strVal val="visible"/>
-                                      </p:to>
-                                    </p:set>
-                                    <p:anim calcmode="lin" valueType="num">
-                                      <p:cBhvr additive="base">
-                                        <p:cTn id="29" dur="1000"/>
-                                        <p:tgtEl>
-                                          <p:spTgt spid="520"/>
-                                        </p:tgtEl>
-                                        <p:attrNameLst>
-                                          <p:attrName>ppt_x</p:attrName>
-                                        </p:attrNameLst>
-                                      </p:cBhvr>
-                                      <p:tavLst>
-                                        <p:tav tm="0">
-                                          <p:val>
-                                            <p:strVal val="#ppt_x+1"/>
-                                          </p:val>
-                                        </p:tav>
-                                        <p:tav tm="100000">
-                                          <p:val>
-                                            <p:strVal val="#ppt_x"/>
-                                          </p:val>
-                                        </p:tav>
-                                      </p:tavLst>
-                                    </p:anim>
-                                  </p:childTnLst>
-                                </p:cTn>
-                              </p:par>
-                            </p:childTnLst>
-                          </p:cTn>
-                        </p:par>
-                      </p:childTnLst>
-                    </p:cTn>
-                  </p:par>
-                </p:childTnLst>
-              </p:cTn>
-              <p:prevCondLst>
-                <p:cond evt="onPrev" delay="0">
-                  <p:tgtEl>
-                    <p:sldTgt/>
-                  </p:tgtEl>
-                </p:cond>
-              </p:prevCondLst>
-              <p:nextCondLst>
-                <p:cond evt="onNext" delay="0">
-                  <p:tgtEl>
-                    <p:sldTgt/>
-                  </p:tgtEl>
-                </p:cond>
-              </p:nextCondLst>
-            </p:seq>
-          </p:childTnLst>
-        </p:cTn>
-      </p:par>
-    </p:tnLst>
-  </p:timing>
+  <mc:AlternateContent xmlns:mc="http://schemas.openxmlformats.org/markup-compatibility/2006">
+    <mc:Choice xmlns:p14="http://schemas.microsoft.com/office/powerpoint/2010/main" Requires="p14">
+      <p:transition spd="slow" p14:dur="800">
+        <p:circle/>
+      </p:transition>
+    </mc:Choice>
+    <mc:Fallback>
+      <p:transition spd="slow">
+        <p:circle/>
+      </p:transition>
+    </mc:Fallback>
+  </mc:AlternateContent>
 </p:sld>
 </file>
 
@@ -29954,6 +28507,9 @@
   <p:clrMapOvr>
     <a:masterClrMapping/>
   </p:clrMapOvr>
+  <p:transition spd="med">
+    <p:pull/>
+  </p:transition>
 </p:sld>
 </file>
 
@@ -30175,6 +28731,18 @@
   <p:clrMapOvr>
     <a:masterClrMapping/>
   </p:clrMapOvr>
+  <mc:AlternateContent xmlns:mc="http://schemas.openxmlformats.org/markup-compatibility/2006">
+    <mc:Choice xmlns:p14="http://schemas.microsoft.com/office/powerpoint/2010/main" Requires="p14">
+      <p:transition spd="slow" p14:dur="1300">
+        <p14:pan dir="u"/>
+      </p:transition>
+    </mc:Choice>
+    <mc:Fallback>
+      <p:transition spd="slow">
+        <p:fade/>
+      </p:transition>
+    </mc:Fallback>
+  </mc:AlternateContent>
 </p:sld>
 </file>
 
@@ -30435,6 +29003,18 @@
   <p:clrMapOvr>
     <a:masterClrMapping/>
   </p:clrMapOvr>
+  <mc:AlternateContent xmlns:mc="http://schemas.openxmlformats.org/markup-compatibility/2006">
+    <mc:Choice xmlns:p14="http://schemas.microsoft.com/office/powerpoint/2010/main" Requires="p14">
+      <p:transition spd="slow" p14:dur="1400">
+        <p14:ripple/>
+      </p:transition>
+    </mc:Choice>
+    <mc:Fallback>
+      <p:transition spd="slow">
+        <p:fade/>
+      </p:transition>
+    </mc:Fallback>
+  </mc:AlternateContent>
 </p:sld>
 </file>
 
@@ -30751,104 +29331,18 @@
   <p:clrMapOvr>
     <a:masterClrMapping/>
   </p:clrMapOvr>
-  <p:timing>
-    <p:tnLst>
-      <p:par>
-        <p:cTn id="1" dur="indefinite" restart="never" nodeType="tmRoot">
-          <p:childTnLst>
-            <p:seq concurrent="1" nextAc="seek">
-              <p:cTn id="2" dur="indefinite" nodeType="mainSeq">
-                <p:childTnLst>
-                  <p:par>
-                    <p:cTn id="3" fill="hold">
-                      <p:stCondLst>
-                        <p:cond delay="indefinite"/>
-                      </p:stCondLst>
-                      <p:childTnLst>
-                        <p:par>
-                          <p:cTn id="4" fill="hold">
-                            <p:stCondLst>
-                              <p:cond delay="0"/>
-                            </p:stCondLst>
-                            <p:childTnLst>
-                              <p:par>
-                                <p:cTn id="5" presetID="2" presetClass="entr" presetSubtype="1" fill="hold" nodeType="clickEffect">
-                                  <p:stCondLst>
-                                    <p:cond delay="0"/>
-                                  </p:stCondLst>
-                                  <p:childTnLst>
-                                    <p:set>
-                                      <p:cBhvr>
-                                        <p:cTn id="6" dur="1" fill="hold">
-                                          <p:stCondLst>
-                                            <p:cond delay="0"/>
-                                          </p:stCondLst>
-                                        </p:cTn>
-                                        <p:tgtEl>
-                                          <p:spTgt spid="1537"/>
-                                        </p:tgtEl>
-                                        <p:attrNameLst>
-                                          <p:attrName>style.visibility</p:attrName>
-                                        </p:attrNameLst>
-                                      </p:cBhvr>
-                                      <p:to>
-                                        <p:strVal val="visible"/>
-                                      </p:to>
-                                    </p:set>
-                                    <p:anim calcmode="lin" valueType="num">
-                                      <p:cBhvr additive="base">
-                                        <p:cTn id="7" dur="1000"/>
-                                        <p:tgtEl>
-                                          <p:spTgt spid="1537"/>
-                                        </p:tgtEl>
-                                        <p:attrNameLst>
-                                          <p:attrName>ppt_y</p:attrName>
-                                        </p:attrNameLst>
-                                      </p:cBhvr>
-                                      <p:tavLst>
-                                        <p:tav tm="0">
-                                          <p:val>
-                                            <p:strVal val="#ppt_y-1"/>
-                                          </p:val>
-                                        </p:tav>
-                                        <p:tav tm="100000">
-                                          <p:val>
-                                            <p:strVal val="#ppt_y"/>
-                                          </p:val>
-                                        </p:tav>
-                                      </p:tavLst>
-                                    </p:anim>
-                                  </p:childTnLst>
-                                </p:cTn>
-                              </p:par>
-                            </p:childTnLst>
-                          </p:cTn>
-                        </p:par>
-                      </p:childTnLst>
-                    </p:cTn>
-                  </p:par>
-                </p:childTnLst>
-              </p:cTn>
-              <p:prevCondLst>
-                <p:cond evt="onPrev" delay="0">
-                  <p:tgtEl>
-                    <p:sldTgt/>
-                  </p:tgtEl>
-                </p:cond>
-              </p:prevCondLst>
-              <p:nextCondLst>
-                <p:cond evt="onNext" delay="0">
-                  <p:tgtEl>
-                    <p:sldTgt/>
-                  </p:tgtEl>
-                </p:cond>
-              </p:nextCondLst>
-            </p:seq>
-          </p:childTnLst>
-        </p:cTn>
-      </p:par>
-    </p:tnLst>
-  </p:timing>
+  <mc:AlternateContent xmlns:mc="http://schemas.openxmlformats.org/markup-compatibility/2006">
+    <mc:Choice xmlns:p14="http://schemas.microsoft.com/office/powerpoint/2010/main" Requires="p14">
+      <p:transition spd="slow" p14:dur="2500">
+        <p:checker/>
+      </p:transition>
+    </mc:Choice>
+    <mc:Fallback>
+      <p:transition spd="slow">
+        <p:checker/>
+      </p:transition>
+    </mc:Fallback>
+  </mc:AlternateContent>
 </p:sld>
 </file>
 
@@ -30928,6 +29422,18 @@
   <p:clrMapOvr>
     <a:masterClrMapping/>
   </p:clrMapOvr>
+  <mc:AlternateContent xmlns:mc="http://schemas.openxmlformats.org/markup-compatibility/2006">
+    <mc:Choice xmlns:p14="http://schemas.microsoft.com/office/powerpoint/2010/main" Requires="p14">
+      <p:transition spd="slow" p14:dur="1250">
+        <p14:flip dir="r"/>
+      </p:transition>
+    </mc:Choice>
+    <mc:Fallback>
+      <p:transition spd="slow">
+        <p:fade/>
+      </p:transition>
+    </mc:Fallback>
+  </mc:AlternateContent>
 </p:sld>
 </file>
 
@@ -31037,6 +29543,9 @@
   <p:clrMapOvr>
     <a:masterClrMapping/>
   </p:clrMapOvr>
+  <p:transition spd="med">
+    <p:pull/>
+  </p:transition>
 </p:sld>
 </file>
 
@@ -31280,6 +29789,18 @@
   <p:clrMapOvr>
     <a:masterClrMapping/>
   </p:clrMapOvr>
+  <mc:AlternateContent xmlns:mc="http://schemas.openxmlformats.org/markup-compatibility/2006">
+    <mc:Choice xmlns:p15="http://schemas.microsoft.com/office/powerpoint/2012/main" Requires="p15">
+      <p:transition xmlns:p14="http://schemas.microsoft.com/office/powerpoint/2010/main" spd="slow" p14:dur="2000">
+        <p15:prstTrans prst="drape"/>
+      </p:transition>
+    </mc:Choice>
+    <mc:Fallback>
+      <p:transition spd="slow">
+        <p:fade/>
+      </p:transition>
+    </mc:Fallback>
+  </mc:AlternateContent>
 </p:sld>
 </file>
 
@@ -31518,107 +30039,18 @@
   <p:clrMapOvr>
     <a:masterClrMapping/>
   </p:clrMapOvr>
-  <p:timing>
-    <p:tnLst>
-      <p:par>
-        <p:cTn id="1" dur="indefinite" restart="never" nodeType="tmRoot">
-          <p:childTnLst>
-            <p:seq concurrent="1" nextAc="seek">
-              <p:cTn id="2" dur="indefinite" nodeType="mainSeq">
-                <p:childTnLst>
-                  <p:par>
-                    <p:cTn id="3" fill="hold">
-                      <p:stCondLst>
-                        <p:cond delay="indefinite"/>
-                        <p:cond evt="onBegin" delay="0">
-                          <p:tn val="2"/>
-                        </p:cond>
-                      </p:stCondLst>
-                      <p:childTnLst>
-                        <p:par>
-                          <p:cTn id="4" fill="hold">
-                            <p:stCondLst>
-                              <p:cond delay="0"/>
-                            </p:stCondLst>
-                            <p:childTnLst>
-                              <p:par>
-                                <p:cTn id="5" presetID="2" presetClass="entr" presetSubtype="8" fill="hold" nodeType="withEffect">
-                                  <p:stCondLst>
-                                    <p:cond delay="0"/>
-                                  </p:stCondLst>
-                                  <p:childTnLst>
-                                    <p:set>
-                                      <p:cBhvr>
-                                        <p:cTn id="6" dur="1" fill="hold">
-                                          <p:stCondLst>
-                                            <p:cond delay="0"/>
-                                          </p:stCondLst>
-                                        </p:cTn>
-                                        <p:tgtEl>
-                                          <p:spTgt spid="541"/>
-                                        </p:tgtEl>
-                                        <p:attrNameLst>
-                                          <p:attrName>style.visibility</p:attrName>
-                                        </p:attrNameLst>
-                                      </p:cBhvr>
-                                      <p:to>
-                                        <p:strVal val="visible"/>
-                                      </p:to>
-                                    </p:set>
-                                    <p:anim calcmode="lin" valueType="num">
-                                      <p:cBhvr additive="base">
-                                        <p:cTn id="7" dur="1000"/>
-                                        <p:tgtEl>
-                                          <p:spTgt spid="541"/>
-                                        </p:tgtEl>
-                                        <p:attrNameLst>
-                                          <p:attrName>ppt_x</p:attrName>
-                                        </p:attrNameLst>
-                                      </p:cBhvr>
-                                      <p:tavLst>
-                                        <p:tav tm="0">
-                                          <p:val>
-                                            <p:strVal val="#ppt_x-1"/>
-                                          </p:val>
-                                        </p:tav>
-                                        <p:tav tm="100000">
-                                          <p:val>
-                                            <p:strVal val="#ppt_x"/>
-                                          </p:val>
-                                        </p:tav>
-                                      </p:tavLst>
-                                    </p:anim>
-                                  </p:childTnLst>
-                                </p:cTn>
-                              </p:par>
-                            </p:childTnLst>
-                          </p:cTn>
-                        </p:par>
-                      </p:childTnLst>
-                    </p:cTn>
-                  </p:par>
-                </p:childTnLst>
-              </p:cTn>
-              <p:prevCondLst>
-                <p:cond evt="onPrev" delay="0">
-                  <p:tgtEl>
-                    <p:sldTgt/>
-                  </p:tgtEl>
-                </p:cond>
-              </p:prevCondLst>
-              <p:nextCondLst>
-                <p:cond evt="onNext" delay="0">
-                  <p:tgtEl>
-                    <p:sldTgt/>
-                  </p:tgtEl>
-                </p:cond>
-              </p:nextCondLst>
-            </p:seq>
-          </p:childTnLst>
-        </p:cTn>
-      </p:par>
-    </p:tnLst>
-  </p:timing>
+  <mc:AlternateContent xmlns:mc="http://schemas.openxmlformats.org/markup-compatibility/2006">
+    <mc:Choice xmlns:p14="http://schemas.microsoft.com/office/powerpoint/2010/main" Requires="p14">
+      <p:transition spd="slow" p14:dur="1250">
+        <p14:flip dir="r"/>
+      </p:transition>
+    </mc:Choice>
+    <mc:Fallback>
+      <p:transition spd="slow">
+        <p:fade/>
+      </p:transition>
+    </mc:Fallback>
+  </mc:AlternateContent>
 </p:sld>
 </file>
 
@@ -31871,6 +30303,18 @@
   <p:clrMapOvr>
     <a:masterClrMapping/>
   </p:clrMapOvr>
+  <mc:AlternateContent xmlns:mc="http://schemas.openxmlformats.org/markup-compatibility/2006">
+    <mc:Choice xmlns:p14="http://schemas.microsoft.com/office/powerpoint/2010/main" Requires="p14">
+      <p:transition spd="slow" p14:dur="1300">
+        <p14:pan dir="u"/>
+      </p:transition>
+    </mc:Choice>
+    <mc:Fallback>
+      <p:transition spd="slow">
+        <p:fade/>
+      </p:transition>
+    </mc:Fallback>
+  </mc:AlternateContent>
 </p:sld>
 </file>
 
@@ -32042,104 +30486,9 @@
   <p:clrMapOvr>
     <a:masterClrMapping/>
   </p:clrMapOvr>
-  <p:timing>
-    <p:tnLst>
-      <p:par>
-        <p:cTn id="1" dur="indefinite" restart="never" nodeType="tmRoot">
-          <p:childTnLst>
-            <p:seq concurrent="1" nextAc="seek">
-              <p:cTn id="2" dur="indefinite" nodeType="mainSeq">
-                <p:childTnLst>
-                  <p:par>
-                    <p:cTn id="3" fill="hold">
-                      <p:stCondLst>
-                        <p:cond delay="indefinite"/>
-                      </p:stCondLst>
-                      <p:childTnLst>
-                        <p:par>
-                          <p:cTn id="4" fill="hold">
-                            <p:stCondLst>
-                              <p:cond delay="0"/>
-                            </p:stCondLst>
-                            <p:childTnLst>
-                              <p:par>
-                                <p:cTn id="5" presetID="2" presetClass="entr" presetSubtype="1" fill="hold" nodeType="clickEffect">
-                                  <p:stCondLst>
-                                    <p:cond delay="0"/>
-                                  </p:stCondLst>
-                                  <p:childTnLst>
-                                    <p:set>
-                                      <p:cBhvr>
-                                        <p:cTn id="6" dur="1" fill="hold">
-                                          <p:stCondLst>
-                                            <p:cond delay="0"/>
-                                          </p:stCondLst>
-                                        </p:cTn>
-                                        <p:tgtEl>
-                                          <p:spTgt spid="553"/>
-                                        </p:tgtEl>
-                                        <p:attrNameLst>
-                                          <p:attrName>style.visibility</p:attrName>
-                                        </p:attrNameLst>
-                                      </p:cBhvr>
-                                      <p:to>
-                                        <p:strVal val="visible"/>
-                                      </p:to>
-                                    </p:set>
-                                    <p:anim calcmode="lin" valueType="num">
-                                      <p:cBhvr additive="base">
-                                        <p:cTn id="7" dur="1000"/>
-                                        <p:tgtEl>
-                                          <p:spTgt spid="553"/>
-                                        </p:tgtEl>
-                                        <p:attrNameLst>
-                                          <p:attrName>ppt_y</p:attrName>
-                                        </p:attrNameLst>
-                                      </p:cBhvr>
-                                      <p:tavLst>
-                                        <p:tav tm="0">
-                                          <p:val>
-                                            <p:strVal val="#ppt_y-1"/>
-                                          </p:val>
-                                        </p:tav>
-                                        <p:tav tm="100000">
-                                          <p:val>
-                                            <p:strVal val="#ppt_y"/>
-                                          </p:val>
-                                        </p:tav>
-                                      </p:tavLst>
-                                    </p:anim>
-                                  </p:childTnLst>
-                                </p:cTn>
-                              </p:par>
-                            </p:childTnLst>
-                          </p:cTn>
-                        </p:par>
-                      </p:childTnLst>
-                    </p:cTn>
-                  </p:par>
-                </p:childTnLst>
-              </p:cTn>
-              <p:prevCondLst>
-                <p:cond evt="onPrev" delay="0">
-                  <p:tgtEl>
-                    <p:sldTgt/>
-                  </p:tgtEl>
-                </p:cond>
-              </p:prevCondLst>
-              <p:nextCondLst>
-                <p:cond evt="onNext" delay="0">
-                  <p:tgtEl>
-                    <p:sldTgt/>
-                  </p:tgtEl>
-                </p:cond>
-              </p:nextCondLst>
-            </p:seq>
-          </p:childTnLst>
-        </p:cTn>
-      </p:par>
-    </p:tnLst>
-  </p:timing>
+  <p:transition spd="slow">
+    <p:cover/>
+  </p:transition>
 </p:sld>
 </file>
 
@@ -32807,6 +31156,18 @@
   <p:clrMapOvr>
     <a:masterClrMapping/>
   </p:clrMapOvr>
+  <mc:AlternateContent xmlns:mc="http://schemas.openxmlformats.org/markup-compatibility/2006">
+    <mc:Choice xmlns:p14="http://schemas.microsoft.com/office/powerpoint/2010/main" Requires="p14">
+      <p:transition spd="slow" p14:dur="2000">
+        <p14:prism isContent="1"/>
+      </p:transition>
+    </mc:Choice>
+    <mc:Fallback>
+      <p:transition spd="slow">
+        <p:fade/>
+      </p:transition>
+    </mc:Fallback>
+  </mc:AlternateContent>
 </p:sld>
 </file>
 
